--- a/docs/porojectOneBrief.ppt.pptx
+++ b/docs/porojectOneBrief.ppt.pptx
@@ -294,7 +294,7 @@
             <a:fld id="{87DE6118-2437-4B30-8E3C-4D2BE6020583}" type="datetimeFigureOut">
               <a:rPr lang="en-US" dirty="0"/>
               <a:pPr/>
-              <a:t>1/17/20</a:t>
+              <a:t>1/18/20</a:t>
             </a:fld>
             <a:endParaRPr lang="en-US" dirty="0"/>
           </a:p>
@@ -620,7 +620,7 @@
           <a:p>
             <a:fld id="{87DE6118-2437-4B30-8E3C-4D2BE6020583}" type="datetimeFigureOut">
               <a:rPr lang="en-US" dirty="0"/>
-              <a:t>1/17/20</a:t>
+              <a:t>1/18/20</a:t>
             </a:fld>
             <a:endParaRPr lang="en-US" dirty="0"/>
           </a:p>
@@ -795,7 +795,7 @@
           <a:p>
             <a:fld id="{87DE6118-2437-4B30-8E3C-4D2BE6020583}" type="datetimeFigureOut">
               <a:rPr lang="en-US" dirty="0"/>
-              <a:t>1/17/20</a:t>
+              <a:t>1/18/20</a:t>
             </a:fld>
             <a:endParaRPr lang="en-US" dirty="0"/>
           </a:p>
@@ -960,7 +960,7 @@
           <a:p>
             <a:fld id="{87DE6118-2437-4B30-8E3C-4D2BE6020583}" type="datetimeFigureOut">
               <a:rPr lang="en-US" dirty="0"/>
-              <a:t>1/17/20</a:t>
+              <a:t>1/18/20</a:t>
             </a:fld>
             <a:endParaRPr lang="en-US" dirty="0"/>
           </a:p>
@@ -1233,7 +1233,7 @@
             <a:fld id="{87DE6118-2437-4B30-8E3C-4D2BE6020583}" type="datetimeFigureOut">
               <a:rPr lang="en-US" dirty="0"/>
               <a:pPr/>
-              <a:t>1/17/20</a:t>
+              <a:t>1/18/20</a:t>
             </a:fld>
             <a:endParaRPr lang="en-US" dirty="0"/>
           </a:p>
@@ -1623,7 +1623,7 @@
           <a:p>
             <a:fld id="{87DE6118-2437-4B30-8E3C-4D2BE6020583}" type="datetimeFigureOut">
               <a:rPr lang="en-US" dirty="0"/>
-              <a:t>1/17/20</a:t>
+              <a:t>1/18/20</a:t>
             </a:fld>
             <a:endParaRPr lang="en-US" dirty="0"/>
           </a:p>
@@ -2095,7 +2095,7 @@
           <a:p>
             <a:fld id="{87DE6118-2437-4B30-8E3C-4D2BE6020583}" type="datetimeFigureOut">
               <a:rPr lang="en-US" dirty="0"/>
-              <a:t>1/17/20</a:t>
+              <a:t>1/18/20</a:t>
             </a:fld>
             <a:endParaRPr lang="en-US" dirty="0"/>
           </a:p>
@@ -2208,7 +2208,7 @@
           <a:p>
             <a:fld id="{87DE6118-2437-4B30-8E3C-4D2BE6020583}" type="datetimeFigureOut">
               <a:rPr lang="en-US" dirty="0"/>
-              <a:t>1/17/20</a:t>
+              <a:t>1/18/20</a:t>
             </a:fld>
             <a:endParaRPr lang="en-US" dirty="0"/>
           </a:p>
@@ -2298,7 +2298,7 @@
           <a:p>
             <a:fld id="{87DE6118-2437-4B30-8E3C-4D2BE6020583}" type="datetimeFigureOut">
               <a:rPr lang="en-US" dirty="0"/>
-              <a:t>1/17/20</a:t>
+              <a:t>1/18/20</a:t>
             </a:fld>
             <a:endParaRPr lang="en-US" dirty="0"/>
           </a:p>
@@ -2640,7 +2640,7 @@
             <a:fld id="{87DE6118-2437-4B30-8E3C-4D2BE6020583}" type="datetimeFigureOut">
               <a:rPr lang="en-US" dirty="0"/>
               <a:pPr/>
-              <a:t>1/17/20</a:t>
+              <a:t>1/18/20</a:t>
             </a:fld>
             <a:endParaRPr lang="en-US" dirty="0"/>
           </a:p>
@@ -3025,7 +3025,7 @@
             <a:fld id="{87DE6118-2437-4B30-8E3C-4D2BE6020583}" type="datetimeFigureOut">
               <a:rPr lang="en-US" dirty="0"/>
               <a:pPr/>
-              <a:t>1/17/20</a:t>
+              <a:t>1/18/20</a:t>
             </a:fld>
             <a:endParaRPr lang="en-US" dirty="0"/>
           </a:p>
@@ -3300,7 +3300,7 @@
             <a:fld id="{87DE6118-2437-4B30-8E3C-4D2BE6020583}" type="datetimeFigureOut">
               <a:rPr lang="en-US" dirty="0"/>
               <a:pPr/>
-              <a:t>1/17/20</a:t>
+              <a:t>1/18/20</a:t>
             </a:fld>
             <a:endParaRPr lang="en-US" dirty="0"/>
           </a:p>
@@ -4384,6 +4384,16 @@
               <a:buNone/>
             </a:pPr>
             <a:r>
+              <a:rPr lang="en-US" dirty="0" err="1"/>
+              <a:t>Nodemon</a:t>
+            </a:r>
+            <a:endParaRPr lang="en-US" dirty="0"/>
+          </a:p>
+          <a:p>
+            <a:pPr marL="0" indent="0">
+              <a:buNone/>
+            </a:pPr>
+            <a:r>
               <a:rPr lang="en-US" dirty="0"/>
               <a:t>Express</a:t>
             </a:r>
@@ -4487,7 +4497,7 @@
           <a:p>
             <a:r>
               <a:rPr lang="en-US" dirty="0"/>
-              <a:t>Game Flow:</a:t>
+              <a:t>Control/Data Flow:</a:t>
             </a:r>
             <a:br>
               <a:rPr lang="en-US" dirty="0"/>

--- a/docs/porojectOneBrief.ppt.pptx
+++ b/docs/porojectOneBrief.ppt.pptx
@@ -9,7 +9,10 @@
     <p:sldId id="257" r:id="rId3"/>
     <p:sldId id="259" r:id="rId4"/>
     <p:sldId id="260" r:id="rId5"/>
-    <p:sldId id="261" r:id="rId6"/>
+    <p:sldId id="263" r:id="rId6"/>
+    <p:sldId id="264" r:id="rId7"/>
+    <p:sldId id="262" r:id="rId8"/>
+    <p:sldId id="261" r:id="rId9"/>
   </p:sldIdLst>
   <p:sldSz cx="12192000" cy="6858000"/>
   <p:notesSz cx="6858000" cy="9144000"/>
@@ -294,7 +297,7 @@
             <a:fld id="{87DE6118-2437-4B30-8E3C-4D2BE6020583}" type="datetimeFigureOut">
               <a:rPr lang="en-US" dirty="0"/>
               <a:pPr/>
-              <a:t>1/18/20</a:t>
+              <a:t>1/22/20</a:t>
             </a:fld>
             <a:endParaRPr lang="en-US" dirty="0"/>
           </a:p>
@@ -620,7 +623,7 @@
           <a:p>
             <a:fld id="{87DE6118-2437-4B30-8E3C-4D2BE6020583}" type="datetimeFigureOut">
               <a:rPr lang="en-US" dirty="0"/>
-              <a:t>1/18/20</a:t>
+              <a:t>1/22/20</a:t>
             </a:fld>
             <a:endParaRPr lang="en-US" dirty="0"/>
           </a:p>
@@ -795,7 +798,7 @@
           <a:p>
             <a:fld id="{87DE6118-2437-4B30-8E3C-4D2BE6020583}" type="datetimeFigureOut">
               <a:rPr lang="en-US" dirty="0"/>
-              <a:t>1/18/20</a:t>
+              <a:t>1/22/20</a:t>
             </a:fld>
             <a:endParaRPr lang="en-US" dirty="0"/>
           </a:p>
@@ -960,7 +963,7 @@
           <a:p>
             <a:fld id="{87DE6118-2437-4B30-8E3C-4D2BE6020583}" type="datetimeFigureOut">
               <a:rPr lang="en-US" dirty="0"/>
-              <a:t>1/18/20</a:t>
+              <a:t>1/22/20</a:t>
             </a:fld>
             <a:endParaRPr lang="en-US" dirty="0"/>
           </a:p>
@@ -1233,7 +1236,7 @@
             <a:fld id="{87DE6118-2437-4B30-8E3C-4D2BE6020583}" type="datetimeFigureOut">
               <a:rPr lang="en-US" dirty="0"/>
               <a:pPr/>
-              <a:t>1/18/20</a:t>
+              <a:t>1/22/20</a:t>
             </a:fld>
             <a:endParaRPr lang="en-US" dirty="0"/>
           </a:p>
@@ -1623,7 +1626,7 @@
           <a:p>
             <a:fld id="{87DE6118-2437-4B30-8E3C-4D2BE6020583}" type="datetimeFigureOut">
               <a:rPr lang="en-US" dirty="0"/>
-              <a:t>1/18/20</a:t>
+              <a:t>1/22/20</a:t>
             </a:fld>
             <a:endParaRPr lang="en-US" dirty="0"/>
           </a:p>
@@ -2095,7 +2098,7 @@
           <a:p>
             <a:fld id="{87DE6118-2437-4B30-8E3C-4D2BE6020583}" type="datetimeFigureOut">
               <a:rPr lang="en-US" dirty="0"/>
-              <a:t>1/18/20</a:t>
+              <a:t>1/22/20</a:t>
             </a:fld>
             <a:endParaRPr lang="en-US" dirty="0"/>
           </a:p>
@@ -2208,7 +2211,7 @@
           <a:p>
             <a:fld id="{87DE6118-2437-4B30-8E3C-4D2BE6020583}" type="datetimeFigureOut">
               <a:rPr lang="en-US" dirty="0"/>
-              <a:t>1/18/20</a:t>
+              <a:t>1/22/20</a:t>
             </a:fld>
             <a:endParaRPr lang="en-US" dirty="0"/>
           </a:p>
@@ -2298,7 +2301,7 @@
           <a:p>
             <a:fld id="{87DE6118-2437-4B30-8E3C-4D2BE6020583}" type="datetimeFigureOut">
               <a:rPr lang="en-US" dirty="0"/>
-              <a:t>1/18/20</a:t>
+              <a:t>1/22/20</a:t>
             </a:fld>
             <a:endParaRPr lang="en-US" dirty="0"/>
           </a:p>
@@ -2640,7 +2643,7 @@
             <a:fld id="{87DE6118-2437-4B30-8E3C-4D2BE6020583}" type="datetimeFigureOut">
               <a:rPr lang="en-US" dirty="0"/>
               <a:pPr/>
-              <a:t>1/18/20</a:t>
+              <a:t>1/22/20</a:t>
             </a:fld>
             <a:endParaRPr lang="en-US" dirty="0"/>
           </a:p>
@@ -3025,7 +3028,7 @@
             <a:fld id="{87DE6118-2437-4B30-8E3C-4D2BE6020583}" type="datetimeFigureOut">
               <a:rPr lang="en-US" dirty="0"/>
               <a:pPr/>
-              <a:t>1/18/20</a:t>
+              <a:t>1/22/20</a:t>
             </a:fld>
             <a:endParaRPr lang="en-US" dirty="0"/>
           </a:p>
@@ -3300,7 +3303,7 @@
             <a:fld id="{87DE6118-2437-4B30-8E3C-4D2BE6020583}" type="datetimeFigureOut">
               <a:rPr lang="en-US" dirty="0"/>
               <a:pPr/>
-              <a:t>1/18/20</a:t>
+              <a:t>1/22/20</a:t>
             </a:fld>
             <a:endParaRPr lang="en-US" dirty="0"/>
           </a:p>
@@ -3885,7 +3888,7 @@
 </file>
 
 <file path=ppt/slides/slide2.xml><?xml version="1.0" encoding="utf-8"?>
-<p:sld xmlns:a="http://schemas.openxmlformats.org/drawingml/2006/main" xmlns:r="http://schemas.openxmlformats.org/officeDocument/2006/relationships" xmlns:p="http://schemas.openxmlformats.org/presentationml/2006/main">
+<p:sld xmlns:a="http://schemas.openxmlformats.org/drawingml/2006/main" xmlns:r="http://schemas.openxmlformats.org/officeDocument/2006/relationships" xmlns:p="http://schemas.openxmlformats.org/presentationml/2006/main" show="0">
   <p:cSld>
     <p:spTree>
       <p:nvGrpSpPr>
@@ -4412,10 +4415,10 @@
               <a:buNone/>
             </a:pPr>
             <a:r>
-              <a:rPr lang="en-US" dirty="0" err="1"/>
+              <a:rPr lang="en-US" strike="sngStrike" dirty="0" err="1"/>
               <a:t>MySql</a:t>
             </a:r>
-            <a:endParaRPr lang="en-US" dirty="0"/>
+            <a:endParaRPr lang="en-US" strike="sngStrike" dirty="0"/>
           </a:p>
           <a:p>
             <a:pPr marL="0" indent="0">
@@ -4451,6 +4454,362 @@
 </file>
 
 <file path=ppt/slides/slide5.xml><?xml version="1.0" encoding="utf-8"?>
+<p:sld xmlns:a="http://schemas.openxmlformats.org/drawingml/2006/main" xmlns:r="http://schemas.openxmlformats.org/officeDocument/2006/relationships" xmlns:p="http://schemas.openxmlformats.org/presentationml/2006/main">
+  <p:cSld>
+    <p:spTree>
+      <p:nvGrpSpPr>
+        <p:cNvPr id="1" name=""/>
+        <p:cNvGrpSpPr/>
+        <p:nvPr/>
+      </p:nvGrpSpPr>
+      <p:grpSpPr>
+        <a:xfrm>
+          <a:off x="0" y="0"/>
+          <a:ext cx="0" cy="0"/>
+          <a:chOff x="0" y="0"/>
+          <a:chExt cx="0" cy="0"/>
+        </a:xfrm>
+      </p:grpSpPr>
+      <p:sp>
+        <p:nvSpPr>
+          <p:cNvPr id="2" name="Title 1">
+            <a:extLst>
+              <a:ext uri="{FF2B5EF4-FFF2-40B4-BE49-F238E27FC236}">
+                <a16:creationId xmlns:a16="http://schemas.microsoft.com/office/drawing/2014/main" id="{55D5179F-A32E-5146-876E-7387938873E9}"/>
+              </a:ext>
+            </a:extLst>
+          </p:cNvPr>
+          <p:cNvSpPr>
+            <a:spLocks noGrp="1"/>
+          </p:cNvSpPr>
+          <p:nvPr>
+            <p:ph type="title"/>
+          </p:nvPr>
+        </p:nvSpPr>
+        <p:spPr/>
+        <p:txBody>
+          <a:bodyPr/>
+          <a:lstStyle/>
+          <a:p>
+            <a:r>
+              <a:rPr lang="en-US" dirty="0"/>
+              <a:t>What is not working:</a:t>
+            </a:r>
+            <a:br>
+              <a:rPr lang="en-US" dirty="0"/>
+            </a:br>
+            <a:r>
+              <a:rPr lang="en-US" dirty="0"/>
+              <a:t>(so far…):</a:t>
+            </a:r>
+          </a:p>
+        </p:txBody>
+      </p:sp>
+      <p:sp>
+        <p:nvSpPr>
+          <p:cNvPr id="3" name="Content Placeholder 2">
+            <a:extLst>
+              <a:ext uri="{FF2B5EF4-FFF2-40B4-BE49-F238E27FC236}">
+                <a16:creationId xmlns:a16="http://schemas.microsoft.com/office/drawing/2014/main" id="{A717F4B5-A173-B347-9144-7C5A69924696}"/>
+              </a:ext>
+            </a:extLst>
+          </p:cNvPr>
+          <p:cNvSpPr>
+            <a:spLocks noGrp="1"/>
+          </p:cNvSpPr>
+          <p:nvPr>
+            <p:ph idx="1"/>
+          </p:nvPr>
+        </p:nvSpPr>
+        <p:spPr/>
+        <p:txBody>
+          <a:bodyPr>
+            <a:normAutofit/>
+          </a:bodyPr>
+          <a:lstStyle/>
+          <a:p>
+            <a:pPr marL="0" indent="0">
+              <a:buNone/>
+            </a:pPr>
+            <a:endParaRPr lang="en-US" dirty="0"/>
+          </a:p>
+          <a:p>
+            <a:pPr marL="0" indent="0">
+              <a:buNone/>
+            </a:pPr>
+            <a:endParaRPr lang="en-US" dirty="0"/>
+          </a:p>
+          <a:p>
+            <a:pPr marL="0" indent="0">
+              <a:buNone/>
+            </a:pPr>
+            <a:endParaRPr lang="en-US" dirty="0"/>
+          </a:p>
+          <a:p>
+            <a:pPr marL="0" indent="0">
+              <a:buNone/>
+            </a:pPr>
+            <a:endParaRPr lang="en-US" dirty="0"/>
+          </a:p>
+        </p:txBody>
+      </p:sp>
+      <p:pic>
+        <p:nvPicPr>
+          <p:cNvPr id="5" name="Picture 4" descr="A screenshot of a cell phone&#10;&#10;Description automatically generated">
+            <a:extLst>
+              <a:ext uri="{FF2B5EF4-FFF2-40B4-BE49-F238E27FC236}">
+                <a16:creationId xmlns:a16="http://schemas.microsoft.com/office/drawing/2014/main" id="{3984F7B7-EC72-2C45-B052-3C7BD9950C29}"/>
+              </a:ext>
+            </a:extLst>
+          </p:cNvPr>
+          <p:cNvPicPr>
+            <a:picLocks noChangeAspect="1"/>
+          </p:cNvPicPr>
+          <p:nvPr/>
+        </p:nvPicPr>
+        <p:blipFill>
+          <a:blip r:embed="rId2"/>
+          <a:stretch>
+            <a:fillRect/>
+          </a:stretch>
+        </p:blipFill>
+        <p:spPr>
+          <a:xfrm>
+            <a:off x="3921369" y="1404637"/>
+            <a:ext cx="7589427" cy="5344125"/>
+          </a:xfrm>
+          <a:prstGeom prst="rect">
+            <a:avLst/>
+          </a:prstGeom>
+        </p:spPr>
+      </p:pic>
+    </p:spTree>
+    <p:extLst>
+      <p:ext uri="{BB962C8B-B14F-4D97-AF65-F5344CB8AC3E}">
+        <p14:creationId xmlns:p14="http://schemas.microsoft.com/office/powerpoint/2010/main" val="684153035"/>
+      </p:ext>
+    </p:extLst>
+  </p:cSld>
+  <p:clrMapOvr>
+    <a:masterClrMapping/>
+  </p:clrMapOvr>
+</p:sld>
+</file>
+
+<file path=ppt/slides/slide6.xml><?xml version="1.0" encoding="utf-8"?>
+<p:sld xmlns:a="http://schemas.openxmlformats.org/drawingml/2006/main" xmlns:r="http://schemas.openxmlformats.org/officeDocument/2006/relationships" xmlns:p="http://schemas.openxmlformats.org/presentationml/2006/main">
+  <p:cSld>
+    <p:spTree>
+      <p:nvGrpSpPr>
+        <p:cNvPr id="1" name=""/>
+        <p:cNvGrpSpPr/>
+        <p:nvPr/>
+      </p:nvGrpSpPr>
+      <p:grpSpPr>
+        <a:xfrm>
+          <a:off x="0" y="0"/>
+          <a:ext cx="0" cy="0"/>
+          <a:chOff x="0" y="0"/>
+          <a:chExt cx="0" cy="0"/>
+        </a:xfrm>
+      </p:grpSpPr>
+      <p:sp>
+        <p:nvSpPr>
+          <p:cNvPr id="2" name="Title 1">
+            <a:extLst>
+              <a:ext uri="{FF2B5EF4-FFF2-40B4-BE49-F238E27FC236}">
+                <a16:creationId xmlns:a16="http://schemas.microsoft.com/office/drawing/2014/main" id="{55D5179F-A32E-5146-876E-7387938873E9}"/>
+              </a:ext>
+            </a:extLst>
+          </p:cNvPr>
+          <p:cNvSpPr>
+            <a:spLocks noGrp="1"/>
+          </p:cNvSpPr>
+          <p:nvPr>
+            <p:ph type="title"/>
+          </p:nvPr>
+        </p:nvSpPr>
+        <p:spPr/>
+        <p:txBody>
+          <a:bodyPr/>
+          <a:lstStyle/>
+          <a:p>
+            <a:r>
+              <a:rPr lang="en-US" dirty="0"/>
+              <a:t>What is working:</a:t>
+            </a:r>
+            <a:br>
+              <a:rPr lang="en-US" dirty="0"/>
+            </a:br>
+            <a:endParaRPr lang="en-US" dirty="0"/>
+          </a:p>
+        </p:txBody>
+      </p:sp>
+      <p:sp>
+        <p:nvSpPr>
+          <p:cNvPr id="3" name="Content Placeholder 2">
+            <a:extLst>
+              <a:ext uri="{FF2B5EF4-FFF2-40B4-BE49-F238E27FC236}">
+                <a16:creationId xmlns:a16="http://schemas.microsoft.com/office/drawing/2014/main" id="{A717F4B5-A173-B347-9144-7C5A69924696}"/>
+              </a:ext>
+            </a:extLst>
+          </p:cNvPr>
+          <p:cNvSpPr>
+            <a:spLocks noGrp="1"/>
+          </p:cNvSpPr>
+          <p:nvPr>
+            <p:ph idx="1"/>
+          </p:nvPr>
+        </p:nvSpPr>
+        <p:spPr/>
+        <p:txBody>
+          <a:bodyPr>
+            <a:normAutofit/>
+          </a:bodyPr>
+          <a:lstStyle/>
+          <a:p>
+            <a:pPr marL="0" indent="0">
+              <a:buNone/>
+            </a:pPr>
+            <a:r>
+              <a:rPr lang="en-US" dirty="0" err="1"/>
+              <a:t>Server.js</a:t>
+            </a:r>
+            <a:endParaRPr lang="en-US" dirty="0"/>
+          </a:p>
+          <a:p>
+            <a:pPr marL="0" indent="0">
+              <a:buNone/>
+            </a:pPr>
+            <a:r>
+              <a:rPr lang="en-US" dirty="0"/>
+              <a:t>Client(s).</a:t>
+            </a:r>
+            <a:r>
+              <a:rPr lang="en-US" dirty="0" err="1"/>
+              <a:t>js</a:t>
+            </a:r>
+            <a:endParaRPr lang="en-US" dirty="0"/>
+          </a:p>
+          <a:p>
+            <a:pPr marL="0" indent="0">
+              <a:buNone/>
+            </a:pPr>
+            <a:r>
+              <a:rPr lang="en-US" dirty="0" err="1"/>
+              <a:t>Index.html</a:t>
+            </a:r>
+            <a:r>
+              <a:rPr lang="en-US" dirty="0"/>
+              <a:t> static/active</a:t>
+            </a:r>
+          </a:p>
+          <a:p>
+            <a:pPr marL="0" indent="0">
+              <a:buNone/>
+            </a:pPr>
+            <a:r>
+              <a:rPr lang="en-US" dirty="0"/>
+              <a:t>Socket Connection/Communication</a:t>
+            </a:r>
+          </a:p>
+          <a:p>
+            <a:pPr marL="0" indent="0">
+              <a:buNone/>
+            </a:pPr>
+            <a:r>
+              <a:rPr lang="en-US" dirty="0"/>
+              <a:t>Chat</a:t>
+            </a:r>
+          </a:p>
+          <a:p>
+            <a:pPr marL="0" indent="0">
+              <a:buNone/>
+            </a:pPr>
+            <a:r>
+              <a:rPr lang="en-US" dirty="0"/>
+              <a:t>Active Grid Element Generation/Element Modification</a:t>
+            </a:r>
+          </a:p>
+          <a:p>
+            <a:pPr marL="0" indent="0">
+              <a:buNone/>
+            </a:pPr>
+            <a:r>
+              <a:rPr lang="en-US" dirty="0"/>
+              <a:t>Object Constructor</a:t>
+            </a:r>
+          </a:p>
+          <a:p>
+            <a:pPr marL="0" indent="0">
+              <a:buNone/>
+            </a:pPr>
+            <a:endParaRPr lang="en-US" dirty="0"/>
+          </a:p>
+          <a:p>
+            <a:pPr marL="0" indent="0">
+              <a:buNone/>
+            </a:pPr>
+            <a:endParaRPr lang="en-US" dirty="0"/>
+          </a:p>
+          <a:p>
+            <a:pPr marL="0" indent="0">
+              <a:buNone/>
+            </a:pPr>
+            <a:endParaRPr lang="en-US" dirty="0"/>
+          </a:p>
+          <a:p>
+            <a:pPr marL="0" indent="0">
+              <a:buNone/>
+            </a:pPr>
+            <a:endParaRPr lang="en-US" dirty="0"/>
+          </a:p>
+        </p:txBody>
+      </p:sp>
+    </p:spTree>
+    <p:extLst>
+      <p:ext uri="{BB962C8B-B14F-4D97-AF65-F5344CB8AC3E}">
+        <p14:creationId xmlns:p14="http://schemas.microsoft.com/office/powerpoint/2010/main" val="1593205577"/>
+      </p:ext>
+    </p:extLst>
+  </p:cSld>
+  <p:clrMapOvr>
+    <a:masterClrMapping/>
+  </p:clrMapOvr>
+</p:sld>
+</file>
+
+<file path=ppt/slides/slide7.xml><?xml version="1.0" encoding="utf-8"?>
+<p:sld xmlns:a="http://schemas.openxmlformats.org/drawingml/2006/main" xmlns:r="http://schemas.openxmlformats.org/officeDocument/2006/relationships" xmlns:p="http://schemas.openxmlformats.org/presentationml/2006/main">
+  <p:cSld>
+    <p:spTree>
+      <p:nvGrpSpPr>
+        <p:cNvPr id="1" name=""/>
+        <p:cNvGrpSpPr/>
+        <p:nvPr/>
+      </p:nvGrpSpPr>
+      <p:grpSpPr>
+        <a:xfrm>
+          <a:off x="0" y="0"/>
+          <a:ext cx="0" cy="0"/>
+          <a:chOff x="0" y="0"/>
+          <a:chExt cx="0" cy="0"/>
+        </a:xfrm>
+      </p:grpSpPr>
+    </p:spTree>
+    <p:extLst>
+      <p:ext uri="{BB962C8B-B14F-4D97-AF65-F5344CB8AC3E}">
+        <p14:creationId xmlns:p14="http://schemas.microsoft.com/office/powerpoint/2010/main" val="885555457"/>
+      </p:ext>
+    </p:extLst>
+  </p:cSld>
+  <p:clrMapOvr>
+    <a:masterClrMapping/>
+  </p:clrMapOvr>
+</p:sld>
+</file>
+
+<file path=ppt/slides/slide8.xml><?xml version="1.0" encoding="utf-8"?>
 <p:sld xmlns:a="http://schemas.openxmlformats.org/drawingml/2006/main" xmlns:r="http://schemas.openxmlformats.org/officeDocument/2006/relationships" xmlns:p="http://schemas.openxmlformats.org/presentationml/2006/main">
   <p:cSld>
     <p:spTree>
